--- a/Getting Started with BI.pptx
+++ b/Getting Started with BI.pptx
@@ -250,7 +250,7 @@
           <a:p>
             <a:fld id="{59041DB8-B66F-4DC8-A96E-33677E0F90FF}" type="datetimeFigureOut">
               <a:rPr lang="en-US" smtClean="0"/>
-              <a:t>6/20/2016</a:t>
+              <a:t>6/21/2016</a:t>
             </a:fld>
             <a:endParaRPr lang="en-US"/>
           </a:p>
@@ -415,7 +415,7 @@
           <a:p>
             <a:fld id="{DEB49C4A-65AC-492D-9701-81B46C3AD0E4}" type="datetimeFigureOut">
               <a:rPr lang="en-US" smtClean="0"/>
-              <a:t>6/20/2016</a:t>
+              <a:t>6/21/2016</a:t>
             </a:fld>
             <a:endParaRPr lang="en-US"/>
           </a:p>
@@ -2887,7 +2887,7 @@
           <a:p>
             <a:fld id="{384A29A4-78C8-47AB-BA06-22CB45938951}" type="datetime1">
               <a:rPr lang="en-US" smtClean="0"/>
-              <a:t>6/20/2016</a:t>
+              <a:t>6/21/2016</a:t>
             </a:fld>
             <a:endParaRPr lang="en-US"/>
           </a:p>
@@ -3079,7 +3079,7 @@
           <a:p>
             <a:fld id="{E1ED4ACF-2D82-46F2-A8E9-23963AA34E86}" type="datetime1">
               <a:rPr lang="en-US" smtClean="0"/>
-              <a:t>6/20/2016</a:t>
+              <a:t>6/21/2016</a:t>
             </a:fld>
             <a:endParaRPr lang="en-US"/>
           </a:p>
@@ -3261,7 +3261,7 @@
           <a:p>
             <a:fld id="{AE374B5B-21A0-4192-BF4C-38187F1A68D8}" type="datetime1">
               <a:rPr lang="en-US" smtClean="0"/>
-              <a:t>6/20/2016</a:t>
+              <a:t>6/21/2016</a:t>
             </a:fld>
             <a:endParaRPr lang="en-US"/>
           </a:p>
@@ -5601,7 +5601,7 @@
           <a:p>
             <a:fld id="{33B5CF7C-B333-48E1-A4A6-83A3C8B73AC0}" type="datetime1">
               <a:rPr lang="en-US" smtClean="0"/>
-              <a:t>6/20/2016</a:t>
+              <a:t>6/21/2016</a:t>
             </a:fld>
             <a:endParaRPr lang="en-US"/>
           </a:p>
@@ -6053,7 +6053,7 @@
           <a:p>
             <a:fld id="{AE320762-5CBF-4210-AB54-376B091119F8}" type="datetime1">
               <a:rPr lang="en-US" smtClean="0"/>
-              <a:t>6/20/2016</a:t>
+              <a:t>6/21/2016</a:t>
             </a:fld>
             <a:endParaRPr lang="en-US"/>
           </a:p>
@@ -6183,7 +6183,7 @@
           <a:p>
             <a:fld id="{7F0DB371-BF5F-4058-A212-1A908E4D2674}" type="datetime1">
               <a:rPr lang="en-US" smtClean="0"/>
-              <a:t>6/20/2016</a:t>
+              <a:t>6/21/2016</a:t>
             </a:fld>
             <a:endParaRPr lang="en-US"/>
           </a:p>
@@ -8113,7 +8113,7 @@
           <a:p>
             <a:fld id="{60A4083B-90AA-48CF-BAD5-00AA24D7F288}" type="datetime1">
               <a:rPr lang="en-US" smtClean="0"/>
-              <a:t>6/20/2016</a:t>
+              <a:t>6/21/2016</a:t>
             </a:fld>
             <a:endParaRPr lang="en-US"/>
           </a:p>
@@ -10360,7 +10360,7 @@
           <a:p>
             <a:fld id="{F5BAF629-ECA2-4CF3-B790-9D9BDED98269}" type="datetime1">
               <a:rPr lang="en-US" smtClean="0"/>
-              <a:t>6/20/2016</a:t>
+              <a:t>6/21/2016</a:t>
             </a:fld>
             <a:endParaRPr lang="en-US"/>
           </a:p>
@@ -14589,7 +14589,7 @@
           <a:p>
             <a:fld id="{B51B2453-8663-4C69-AF73-9FD7B1DEC5D0}" type="datetime1">
               <a:rPr lang="en-US" smtClean="0"/>
-              <a:t>6/20/2016</a:t>
+              <a:t>6/21/2016</a:t>
             </a:fld>
             <a:endParaRPr lang="en-US"/>
           </a:p>
@@ -15362,15 +15362,7 @@
             <a:pPr lvl="1"/>
             <a:r>
               <a:rPr lang="en-US" dirty="0" smtClean="0"/>
-              <a:t>Perform cleansing, mapping, </a:t>
-            </a:r>
-            <a:r>
-              <a:rPr lang="en-US" dirty="0" smtClean="0"/>
-              <a:t>calculations                                                                      and </a:t>
-            </a:r>
-            <a:r>
-              <a:rPr lang="en-US" dirty="0" smtClean="0"/>
-              <a:t>other data manipulations</a:t>
+              <a:t>Perform cleansing, mapping, calculations                                                                      and other data manipulations</a:t>
             </a:r>
           </a:p>
           <a:p>
@@ -15701,23 +15693,7 @@
           <a:p>
             <a:r>
               <a:rPr lang="en-US" dirty="0" smtClean="0"/>
-              <a:t>The </a:t>
-            </a:r>
-            <a:r>
-              <a:rPr lang="en-US" dirty="0" smtClean="0"/>
-              <a:t>data warehouse </a:t>
-            </a:r>
-            <a:r>
-              <a:rPr lang="en-US" dirty="0" smtClean="0"/>
-              <a:t>data is compiled, performing </a:t>
-            </a:r>
-            <a:r>
-              <a:rPr lang="en-US" dirty="0" smtClean="0"/>
-              <a:t>calculations and aggregations, to be used for analysis and </a:t>
-            </a:r>
-            <a:r>
-              <a:rPr lang="en-US" dirty="0" smtClean="0"/>
-              <a:t>reporting</a:t>
+              <a:t>The data warehouse data is compiled, performing calculations and aggregations, to be used for analysis and reporting</a:t>
             </a:r>
           </a:p>
           <a:p>
@@ -15737,9 +15713,34 @@
             <a:pPr lvl="1"/>
             <a:r>
               <a:rPr lang="en-US" dirty="0" smtClean="0"/>
-              <a:t>SSAS Tabular</a:t>
+              <a:t>SSAS </a:t>
+            </a:r>
+            <a:r>
+              <a:rPr lang="en-US" dirty="0" smtClean="0"/>
+              <a:t>Tabular</a:t>
+            </a:r>
+          </a:p>
+          <a:p>
+            <a:pPr lvl="1"/>
+            <a:r>
+              <a:rPr lang="en-US" dirty="0" err="1" smtClean="0"/>
+              <a:t>QlikView</a:t>
             </a:r>
             <a:endParaRPr lang="en-US" dirty="0" smtClean="0"/>
+          </a:p>
+          <a:p>
+            <a:pPr lvl="1"/>
+            <a:r>
+              <a:rPr lang="en-US" dirty="0" smtClean="0"/>
+              <a:t>Tableau</a:t>
+            </a:r>
+          </a:p>
+          <a:p>
+            <a:pPr lvl="1"/>
+            <a:r>
+              <a:rPr lang="en-US" dirty="0" smtClean="0"/>
+              <a:t>Power BI</a:t>
+            </a:r>
           </a:p>
         </p:txBody>
       </p:sp>
@@ -16944,15 +16945,7 @@
           <a:p>
             <a:r>
               <a:rPr lang="en-US" dirty="0" smtClean="0"/>
-              <a:t>All of the fact </a:t>
-            </a:r>
-            <a:r>
-              <a:rPr lang="en-US" dirty="0" smtClean="0"/>
-              <a:t>table records </a:t>
-            </a:r>
-            <a:r>
-              <a:rPr lang="en-US" dirty="0" smtClean="0"/>
-              <a:t>should be on the same level of granularity</a:t>
+              <a:t>All of the fact table records should be on the same level of granularity</a:t>
             </a:r>
           </a:p>
           <a:p>
@@ -17901,11 +17894,7 @@
             <a:pPr lvl="1"/>
             <a:r>
               <a:rPr lang="en-US" dirty="0" smtClean="0"/>
-              <a:t>When the dimension data record is updated, a new dimension data record is </a:t>
-            </a:r>
-            <a:r>
-              <a:rPr lang="en-US" dirty="0" smtClean="0"/>
-              <a:t>created</a:t>
+              <a:t>When the dimension data record is updated, a new dimension data record is created</a:t>
             </a:r>
           </a:p>
           <a:p>
@@ -17914,7 +17903,6 @@
               <a:rPr lang="en-US" dirty="0" smtClean="0"/>
               <a:t>Fact history is not impacted</a:t>
             </a:r>
-            <a:endParaRPr lang="en-US" dirty="0" smtClean="0"/>
           </a:p>
           <a:p>
             <a:pPr lvl="1"/>
@@ -19784,15 +19772,7 @@
           <a:p>
             <a:r>
               <a:rPr lang="en-US" dirty="0" smtClean="0"/>
-              <a:t>Late </a:t>
-            </a:r>
-            <a:r>
-              <a:rPr lang="en-US" dirty="0" smtClean="0"/>
-              <a:t>Arriving </a:t>
-            </a:r>
-            <a:r>
-              <a:rPr lang="en-US" dirty="0" smtClean="0"/>
-              <a:t>Dimension</a:t>
+              <a:t>Late Arriving Dimension</a:t>
             </a:r>
             <a:endParaRPr lang="en-US" dirty="0"/>
           </a:p>
@@ -19929,11 +19909,7 @@
           <a:p>
             <a:r>
               <a:rPr lang="en-US" dirty="0" smtClean="0"/>
-              <a:t>Early/Late Arriving </a:t>
-            </a:r>
-            <a:r>
-              <a:rPr lang="en-US" dirty="0" smtClean="0"/>
-              <a:t>Fact</a:t>
+              <a:t>Early/Late Arriving Fact</a:t>
             </a:r>
             <a:endParaRPr lang="en-US" dirty="0"/>
           </a:p>
@@ -19962,8 +19938,13 @@
           <a:p>
             <a:r>
               <a:rPr lang="en-US" dirty="0" smtClean="0"/>
-              <a:t>Early Arriving Fact</a:t>
-            </a:r>
+              <a:t>Early Arriving </a:t>
+            </a:r>
+            <a:r>
+              <a:rPr lang="en-US" dirty="0" smtClean="0"/>
+              <a:t>Fact (same as Late Arriving Dimension)</a:t>
+            </a:r>
+            <a:endParaRPr lang="en-US" dirty="0" smtClean="0"/>
           </a:p>
           <a:p>
             <a:pPr lvl="1"/>
@@ -22023,7 +22004,6 @@
               <a:rPr lang="en-US" dirty="0" smtClean="0"/>
               <a:t>Analytical Processing</a:t>
             </a:r>
-            <a:endParaRPr lang="en-US" dirty="0" smtClean="0"/>
           </a:p>
           <a:p>
             <a:r>
